--- a/Deniz Toprak-36235-FinalProject.pptx
+++ b/Deniz Toprak-36235-FinalProject.pptx
@@ -114,6 +114,11 @@
       </a:defRPr>
     </a:lvl9pPr>
   </p:defaultTextStyle>
+  <p:extLst>
+    <p:ext uri="{EFAFB233-063F-42B5-8137-9DF3F51BA10A}">
+      <p15:sldGuideLst xmlns:p15="http://schemas.microsoft.com/office/powerpoint/2012/main"/>
+    </p:ext>
+  </p:extLst>
 </p:presentation>
 </file>
 
@@ -3947,7 +3952,7 @@
             </a:r>
             <a:r>
               <a:rPr lang="tr-TR" dirty="0"/>
-              <a:t>: O(n)</a:t>
+              <a:t>: O(s*n)</a:t>
             </a:r>
             <a:endParaRPr lang="en-US" dirty="0"/>
           </a:p>
@@ -4190,7 +4195,7 @@
             </a:r>
             <a:r>
               <a:rPr lang="tr-TR" dirty="0"/>
-              <a:t> :  O(1)</a:t>
+              <a:t> :  O(s)</a:t>
             </a:r>
           </a:p>
           <a:p>
@@ -4220,7 +4225,7 @@
             </a:r>
             <a:r>
               <a:rPr lang="tr-TR" dirty="0"/>
-              <a:t>: O(1)</a:t>
+              <a:t>: O(s)</a:t>
             </a:r>
           </a:p>
           <a:p>
@@ -4238,7 +4243,7 @@
             </a:r>
             <a:r>
               <a:rPr lang="tr-TR" dirty="0"/>
-              <a:t>: O(n)</a:t>
+              <a:t>: O(s*n)</a:t>
             </a:r>
             <a:endParaRPr lang="en-US" dirty="0"/>
           </a:p>
